--- a/images/theory_analysis/Web_CSR_SSR/Web_CSR_SSR.pptx
+++ b/images/theory_analysis/Web_CSR_SSR/Web_CSR_SSR.pptx
@@ -220,7 +220,7 @@
           <a:p>
             <a:fld id="{6CD5550B-26C4-49A9-A5BA-636EF7BE6CE9}" type="datetimeFigureOut">
               <a:rPr lang="ko-KR" altLang="en-US" smtClean="0"/>
-              <a:t>2022-01-04</a:t>
+              <a:t>2022-01-05</a:t>
             </a:fld>
             <a:endParaRPr lang="ko-KR" altLang="en-US"/>
           </a:p>
@@ -666,7 +666,7 @@
           <a:p>
             <a:fld id="{FB30EDBD-1C2D-4C1E-B459-B60219FAB484}" type="datetimeFigureOut">
               <a:rPr lang="ko-KR" altLang="en-US" smtClean="0"/>
-              <a:t>2022-01-04</a:t>
+              <a:t>2022-01-05</a:t>
             </a:fld>
             <a:endParaRPr lang="ko-KR" altLang="en-US"/>
           </a:p>
@@ -829,7 +829,7 @@
           <a:p>
             <a:fld id="{FB30EDBD-1C2D-4C1E-B459-B60219FAB484}" type="datetimeFigureOut">
               <a:rPr lang="ko-KR" altLang="en-US" smtClean="0"/>
-              <a:t>2022-01-04</a:t>
+              <a:t>2022-01-05</a:t>
             </a:fld>
             <a:endParaRPr lang="ko-KR" altLang="en-US"/>
           </a:p>
@@ -1002,7 +1002,7 @@
           <a:p>
             <a:fld id="{FB30EDBD-1C2D-4C1E-B459-B60219FAB484}" type="datetimeFigureOut">
               <a:rPr lang="ko-KR" altLang="en-US" smtClean="0"/>
-              <a:t>2022-01-04</a:t>
+              <a:t>2022-01-05</a:t>
             </a:fld>
             <a:endParaRPr lang="ko-KR" altLang="en-US"/>
           </a:p>
@@ -1165,7 +1165,7 @@
           <a:p>
             <a:fld id="{FB30EDBD-1C2D-4C1E-B459-B60219FAB484}" type="datetimeFigureOut">
               <a:rPr lang="ko-KR" altLang="en-US" smtClean="0"/>
-              <a:t>2022-01-04</a:t>
+              <a:t>2022-01-05</a:t>
             </a:fld>
             <a:endParaRPr lang="ko-KR" altLang="en-US"/>
           </a:p>
@@ -1405,7 +1405,7 @@
           <a:p>
             <a:fld id="{FB30EDBD-1C2D-4C1E-B459-B60219FAB484}" type="datetimeFigureOut">
               <a:rPr lang="ko-KR" altLang="en-US" smtClean="0"/>
-              <a:t>2022-01-04</a:t>
+              <a:t>2022-01-05</a:t>
             </a:fld>
             <a:endParaRPr lang="ko-KR" altLang="en-US"/>
           </a:p>
@@ -1685,7 +1685,7 @@
           <a:p>
             <a:fld id="{FB30EDBD-1C2D-4C1E-B459-B60219FAB484}" type="datetimeFigureOut">
               <a:rPr lang="ko-KR" altLang="en-US" smtClean="0"/>
-              <a:t>2022-01-04</a:t>
+              <a:t>2022-01-05</a:t>
             </a:fld>
             <a:endParaRPr lang="ko-KR" altLang="en-US"/>
           </a:p>
@@ -2099,7 +2099,7 @@
           <a:p>
             <a:fld id="{FB30EDBD-1C2D-4C1E-B459-B60219FAB484}" type="datetimeFigureOut">
               <a:rPr lang="ko-KR" altLang="en-US" smtClean="0"/>
-              <a:t>2022-01-04</a:t>
+              <a:t>2022-01-05</a:t>
             </a:fld>
             <a:endParaRPr lang="ko-KR" altLang="en-US"/>
           </a:p>
@@ -2211,7 +2211,7 @@
           <a:p>
             <a:fld id="{FB30EDBD-1C2D-4C1E-B459-B60219FAB484}" type="datetimeFigureOut">
               <a:rPr lang="ko-KR" altLang="en-US" smtClean="0"/>
-              <a:t>2022-01-04</a:t>
+              <a:t>2022-01-05</a:t>
             </a:fld>
             <a:endParaRPr lang="ko-KR" altLang="en-US"/>
           </a:p>
@@ -2301,7 +2301,7 @@
           <a:p>
             <a:fld id="{FB30EDBD-1C2D-4C1E-B459-B60219FAB484}" type="datetimeFigureOut">
               <a:rPr lang="ko-KR" altLang="en-US" smtClean="0"/>
-              <a:t>2022-01-04</a:t>
+              <a:t>2022-01-05</a:t>
             </a:fld>
             <a:endParaRPr lang="ko-KR" altLang="en-US"/>
           </a:p>
@@ -2571,7 +2571,7 @@
           <a:p>
             <a:fld id="{FB30EDBD-1C2D-4C1E-B459-B60219FAB484}" type="datetimeFigureOut">
               <a:rPr lang="ko-KR" altLang="en-US" smtClean="0"/>
-              <a:t>2022-01-04</a:t>
+              <a:t>2022-01-05</a:t>
             </a:fld>
             <a:endParaRPr lang="ko-KR" altLang="en-US"/>
           </a:p>
@@ -2818,7 +2818,7 @@
           <a:p>
             <a:fld id="{FB30EDBD-1C2D-4C1E-B459-B60219FAB484}" type="datetimeFigureOut">
               <a:rPr lang="ko-KR" altLang="en-US" smtClean="0"/>
-              <a:t>2022-01-04</a:t>
+              <a:t>2022-01-05</a:t>
             </a:fld>
             <a:endParaRPr lang="ko-KR" altLang="en-US"/>
           </a:p>
@@ -3024,7 +3024,7 @@
           <a:p>
             <a:fld id="{FB30EDBD-1C2D-4C1E-B459-B60219FAB484}" type="datetimeFigureOut">
               <a:rPr lang="ko-KR" altLang="en-US" smtClean="0"/>
-              <a:t>2022-01-04</a:t>
+              <a:t>2022-01-05</a:t>
             </a:fld>
             <a:endParaRPr lang="ko-KR" altLang="en-US"/>
           </a:p>
@@ -3731,8 +3731,8 @@
         </p:nvSpPr>
         <p:spPr>
           <a:xfrm>
-            <a:off x="1989848" y="1045123"/>
-            <a:ext cx="2304262" cy="238527"/>
+            <a:off x="1845835" y="1045123"/>
+            <a:ext cx="2592288" cy="238527"/>
           </a:xfrm>
           <a:prstGeom prst="rect">
             <a:avLst/>
@@ -3748,7 +3748,7 @@
             <a:pPr algn="ctr"/>
             <a:r>
               <a:rPr lang="en-US" altLang="ko-KR" sz="1100"/>
-              <a:t>User Access Request to Web Site</a:t>
+              <a:t>User Access Request to Web Page</a:t>
             </a:r>
             <a:endParaRPr lang="en-US" altLang="ko-KR" sz="1100" dirty="0"/>
           </a:p>
@@ -4158,7 +4158,7 @@
             <a:pPr algn="ctr"/>
             <a:r>
               <a:rPr lang="en-US" altLang="ko-KR" sz="1100" b="1"/>
-              <a:t>Rendered Web Site </a:t>
+              <a:t>Rendered Web Page </a:t>
             </a:r>
           </a:p>
           <a:p>
@@ -4186,7 +4186,7 @@
         <p:spPr>
           <a:xfrm>
             <a:off x="7148558" y="1623016"/>
-            <a:ext cx="1383882" cy="407804"/>
+            <a:ext cx="1538242" cy="407804"/>
           </a:xfrm>
           <a:prstGeom prst="rect">
             <a:avLst/>
@@ -4202,7 +4202,7 @@
             <a:pPr algn="ctr"/>
             <a:r>
               <a:rPr lang="en-US" altLang="ko-KR" sz="1100" b="1"/>
-              <a:t>Short Process,</a:t>
+              <a:t>Short Time Process,</a:t>
             </a:r>
           </a:p>
           <a:p>
@@ -4552,7 +4552,7 @@
         </p:nvSpPr>
         <p:spPr>
           <a:xfrm>
-            <a:off x="950906" y="566597"/>
+            <a:off x="940768" y="566597"/>
             <a:ext cx="1769580" cy="284693"/>
           </a:xfrm>
           <a:prstGeom prst="rect">
@@ -4634,8 +4634,8 @@
         </p:nvSpPr>
         <p:spPr>
           <a:xfrm>
-            <a:off x="1989848" y="1045123"/>
-            <a:ext cx="2304262" cy="238527"/>
+            <a:off x="1763688" y="1045123"/>
+            <a:ext cx="2756582" cy="238527"/>
           </a:xfrm>
           <a:prstGeom prst="rect">
             <a:avLst/>
@@ -4651,7 +4651,7 @@
             <a:pPr algn="ctr"/>
             <a:r>
               <a:rPr lang="en-US" altLang="ko-KR" sz="1100"/>
-              <a:t>User Access Request to Web Site</a:t>
+              <a:t>User Access Request to Web Page</a:t>
             </a:r>
             <a:endParaRPr lang="en-US" altLang="ko-KR" sz="1100" dirty="0"/>
           </a:p>
@@ -4815,7 +4815,7 @@
             <a:pPr algn="ctr"/>
             <a:r>
               <a:rPr lang="en-US" altLang="ko-KR" sz="1100"/>
-              <a:t>Requested Ready to Rendered HTML </a:t>
+              <a:t>Requested Rendered HTML </a:t>
             </a:r>
             <a:endParaRPr lang="en-US" altLang="ko-KR" sz="1100" dirty="0"/>
           </a:p>
@@ -4979,7 +4979,7 @@
             <a:pPr algn="ctr"/>
             <a:r>
               <a:rPr lang="en-US" altLang="ko-KR" sz="1100" b="1"/>
-              <a:t>Rendered Web Site </a:t>
+              <a:t>Rendered Web Page </a:t>
             </a:r>
           </a:p>
           <a:p>
@@ -5150,7 +5150,7 @@
             <a:pPr algn="ctr"/>
             <a:r>
               <a:rPr lang="en-US" altLang="ko-KR" sz="1100" b="1"/>
-              <a:t>Rendered Web Site </a:t>
+              <a:t>Rendered Web Page </a:t>
             </a:r>
           </a:p>
           <a:p>
@@ -5194,7 +5194,7 @@
             <a:pPr algn="ctr"/>
             <a:r>
               <a:rPr lang="en-US" altLang="ko-KR" sz="1100" b="1"/>
-              <a:t>Long Process,</a:t>
+              <a:t>Long Time Process,</a:t>
             </a:r>
           </a:p>
           <a:p>
